--- a/surya_etal_virus_evol_data_s1_sars_cov_2/expectation/expectation_figure.pptx
+++ b/surya_etal_virus_evol_data_s1_sars_cov_2/expectation/expectation_figure.pptx
@@ -5694,7 +5694,7 @@
                 <a:latin typeface="Arial" panose="020B0604020202020204" pitchFamily="34" charset="0"/>
                 <a:cs typeface="Arial" panose="020B0604020202020204" pitchFamily="34" charset="0"/>
               </a:rPr>
-              <a:t>Punctuated evolution</a:t>
+              <a:t>C)  Punctuated evolution</a:t>
             </a:r>
           </a:p>
         </p:txBody>
@@ -8422,7 +8422,7 @@
                 <a:latin typeface="Arial" panose="020B0604020202020204" pitchFamily="34" charset="0"/>
                 <a:cs typeface="Arial" panose="020B0604020202020204" pitchFamily="34" charset="0"/>
               </a:rPr>
-              <a:t>Gradual evolution (relaxed clock)</a:t>
+              <a:t>B)  Gradual evolution (relaxed clock)</a:t>
             </a:r>
           </a:p>
         </p:txBody>
@@ -8579,7 +8579,7 @@
                 <a:latin typeface="Arial" panose="020B0604020202020204" pitchFamily="34" charset="0"/>
                 <a:cs typeface="Arial" panose="020B0604020202020204" pitchFamily="34" charset="0"/>
               </a:rPr>
-              <a:t>Gradual evolution (strict clock)</a:t>
+              <a:t>A)  Gradual evolution (strict clock)</a:t>
             </a:r>
           </a:p>
         </p:txBody>
